--- a/Breadth First Search.pptx
+++ b/Breadth First Search.pptx
@@ -118,6 +118,11 @@
       </a:defRPr>
     </a:lvl9pPr>
   </p:defaultTextStyle>
+  <p:extLst>
+    <p:ext uri="{EFAFB233-063F-42B5-8137-9DF3F51BA10A}">
+      <p15:sldGuideLst xmlns:p15="http://schemas.microsoft.com/office/powerpoint/2012/main"/>
+    </p:ext>
+  </p:extLst>
 </p:presentation>
 </file>
 
@@ -215,7 +220,7 @@
           <a:p>
             <a:fld id="{6EC098DD-6428-4EC7-8358-788D1CED1C03}" type="datetimeFigureOut">
               <a:rPr lang="en-IN" smtClean="0"/>
-              <a:t>10-04-2020</a:t>
+              <a:t>11-04-2020</a:t>
             </a:fld>
             <a:endParaRPr lang="en-IN"/>
           </a:p>
@@ -540,7 +545,7 @@
           <a:noFill/>
           <a:extLst>
             <a:ext uri="{909E8E84-426E-40dd-AFC4-6F175D3DCCD1}">
-              <a14:hiddenFill xmlns:a14="http://schemas.microsoft.com/office/drawing/2010/main" xmlns="">
+              <a14:hiddenFill xmlns="" xmlns:a14="http://schemas.microsoft.com/office/drawing/2010/main">
                 <a:solidFill>
                   <a:srgbClr val="FFFFFF"/>
                 </a:solidFill>
@@ -599,7 +604,7 @@
             </a:ln>
             <a:extLst>
               <a:ext uri="{91240B29-F687-4f45-9708-019B960494DF}">
-                <a14:hiddenLine xmlns:a14="http://schemas.microsoft.com/office/drawing/2010/main" xmlns="" w="9525">
+                <a14:hiddenLine xmlns="" xmlns:a14="http://schemas.microsoft.com/office/drawing/2010/main" w="9525">
                   <a:solidFill>
                     <a:srgbClr val="000000"/>
                   </a:solidFill>
@@ -689,7 +694,7 @@
             </a:ln>
             <a:extLst>
               <a:ext uri="{91240B29-F687-4f45-9708-019B960494DF}">
-                <a14:hiddenLine xmlns:a14="http://schemas.microsoft.com/office/drawing/2010/main" xmlns="" w="9525">
+                <a14:hiddenLine xmlns="" xmlns:a14="http://schemas.microsoft.com/office/drawing/2010/main" w="9525">
                   <a:solidFill>
                     <a:srgbClr val="000000"/>
                   </a:solidFill>
@@ -779,7 +784,7 @@
             </a:ln>
             <a:extLst>
               <a:ext uri="{91240B29-F687-4f45-9708-019B960494DF}">
-                <a14:hiddenLine xmlns:a14="http://schemas.microsoft.com/office/drawing/2010/main" xmlns="" w="9525">
+                <a14:hiddenLine xmlns="" xmlns:a14="http://schemas.microsoft.com/office/drawing/2010/main" w="9525">
                   <a:solidFill>
                     <a:srgbClr val="000000"/>
                   </a:solidFill>
@@ -813,7 +818,7 @@
             </a:ln>
             <a:extLst>
               <a:ext uri="{91240B29-F687-4f45-9708-019B960494DF}">
-                <a14:hiddenLine xmlns:a14="http://schemas.microsoft.com/office/drawing/2010/main" xmlns="" w="9525">
+                <a14:hiddenLine xmlns="" xmlns:a14="http://schemas.microsoft.com/office/drawing/2010/main" w="9525">
                   <a:solidFill>
                     <a:srgbClr val="000000"/>
                   </a:solidFill>
@@ -903,7 +908,7 @@
             </a:ln>
             <a:extLst>
               <a:ext uri="{91240B29-F687-4f45-9708-019B960494DF}">
-                <a14:hiddenLine xmlns:a14="http://schemas.microsoft.com/office/drawing/2010/main" xmlns="" w="9525">
+                <a14:hiddenLine xmlns="" xmlns:a14="http://schemas.microsoft.com/office/drawing/2010/main" w="9525">
                   <a:solidFill>
                     <a:srgbClr val="000000"/>
                   </a:solidFill>
@@ -965,7 +970,7 @@
             </a:ln>
             <a:extLst>
               <a:ext uri="{91240B29-F687-4f45-9708-019B960494DF}">
-                <a14:hiddenLine xmlns:a14="http://schemas.microsoft.com/office/drawing/2010/main" xmlns="" w="9525">
+                <a14:hiddenLine xmlns="" xmlns:a14="http://schemas.microsoft.com/office/drawing/2010/main" w="9525">
                   <a:solidFill>
                     <a:srgbClr val="000000"/>
                   </a:solidFill>
@@ -1027,7 +1032,7 @@
             </a:ln>
             <a:extLst>
               <a:ext uri="{91240B29-F687-4f45-9708-019B960494DF}">
-                <a14:hiddenLine xmlns:a14="http://schemas.microsoft.com/office/drawing/2010/main" xmlns="" w="9525">
+                <a14:hiddenLine xmlns="" xmlns:a14="http://schemas.microsoft.com/office/drawing/2010/main" w="9525">
                   <a:solidFill>
                     <a:srgbClr val="000000"/>
                   </a:solidFill>
@@ -1117,7 +1122,7 @@
             </a:ln>
             <a:extLst>
               <a:ext uri="{91240B29-F687-4f45-9708-019B960494DF}">
-                <a14:hiddenLine xmlns:a14="http://schemas.microsoft.com/office/drawing/2010/main" xmlns="" w="9525">
+                <a14:hiddenLine xmlns="" xmlns:a14="http://schemas.microsoft.com/office/drawing/2010/main" w="9525">
                   <a:solidFill>
                     <a:srgbClr val="000000"/>
                   </a:solidFill>
@@ -1179,7 +1184,7 @@
             </a:ln>
             <a:extLst>
               <a:ext uri="{91240B29-F687-4f45-9708-019B960494DF}">
-                <a14:hiddenLine xmlns:a14="http://schemas.microsoft.com/office/drawing/2010/main" xmlns="" w="9525">
+                <a14:hiddenLine xmlns="" xmlns:a14="http://schemas.microsoft.com/office/drawing/2010/main" w="9525">
                   <a:solidFill>
                     <a:srgbClr val="000000"/>
                   </a:solidFill>
@@ -1241,7 +1246,7 @@
             </a:ln>
             <a:extLst>
               <a:ext uri="{91240B29-F687-4f45-9708-019B960494DF}">
-                <a14:hiddenLine xmlns:a14="http://schemas.microsoft.com/office/drawing/2010/main" xmlns="" w="9525">
+                <a14:hiddenLine xmlns="" xmlns:a14="http://schemas.microsoft.com/office/drawing/2010/main" w="9525">
                   <a:solidFill>
                     <a:srgbClr val="000000"/>
                   </a:solidFill>
@@ -1331,7 +1336,7 @@
             </a:ln>
             <a:extLst>
               <a:ext uri="{91240B29-F687-4f45-9708-019B960494DF}">
-                <a14:hiddenLine xmlns:a14="http://schemas.microsoft.com/office/drawing/2010/main" xmlns="" w="9525">
+                <a14:hiddenLine xmlns="" xmlns:a14="http://schemas.microsoft.com/office/drawing/2010/main" w="9525">
                   <a:solidFill>
                     <a:srgbClr val="000000"/>
                   </a:solidFill>
@@ -1421,7 +1426,7 @@
             </a:ln>
             <a:extLst>
               <a:ext uri="{91240B29-F687-4f45-9708-019B960494DF}">
-                <a14:hiddenLine xmlns:a14="http://schemas.microsoft.com/office/drawing/2010/main" xmlns="" w="9525">
+                <a14:hiddenLine xmlns="" xmlns:a14="http://schemas.microsoft.com/office/drawing/2010/main" w="9525">
                   <a:solidFill>
                     <a:srgbClr val="000000"/>
                   </a:solidFill>
@@ -1483,7 +1488,7 @@
             </a:ln>
             <a:extLst>
               <a:ext uri="{91240B29-F687-4f45-9708-019B960494DF}">
-                <a14:hiddenLine xmlns:a14="http://schemas.microsoft.com/office/drawing/2010/main" xmlns="" w="9525">
+                <a14:hiddenLine xmlns="" xmlns:a14="http://schemas.microsoft.com/office/drawing/2010/main" w="9525">
                   <a:solidFill>
                     <a:srgbClr val="000000"/>
                   </a:solidFill>
@@ -1593,7 +1598,7 @@
             </a:ln>
             <a:extLst>
               <a:ext uri="{91240B29-F687-4f45-9708-019B960494DF}">
-                <a14:hiddenLine xmlns:a14="http://schemas.microsoft.com/office/drawing/2010/main" xmlns="" w="9525">
+                <a14:hiddenLine xmlns="" xmlns:a14="http://schemas.microsoft.com/office/drawing/2010/main" w="9525">
                   <a:solidFill>
                     <a:srgbClr val="000000"/>
                   </a:solidFill>
@@ -1655,7 +1660,7 @@
             </a:ln>
             <a:extLst>
               <a:ext uri="{91240B29-F687-4f45-9708-019B960494DF}">
-                <a14:hiddenLine xmlns:a14="http://schemas.microsoft.com/office/drawing/2010/main" xmlns="" w="9525">
+                <a14:hiddenLine xmlns="" xmlns:a14="http://schemas.microsoft.com/office/drawing/2010/main" w="9525">
                   <a:solidFill>
                     <a:srgbClr val="000000"/>
                   </a:solidFill>
@@ -1745,7 +1750,7 @@
             </a:ln>
             <a:extLst>
               <a:ext uri="{91240B29-F687-4f45-9708-019B960494DF}">
-                <a14:hiddenLine xmlns:a14="http://schemas.microsoft.com/office/drawing/2010/main" xmlns="" w="9525">
+                <a14:hiddenLine xmlns="" xmlns:a14="http://schemas.microsoft.com/office/drawing/2010/main" w="9525">
                   <a:solidFill>
                     <a:srgbClr val="000000"/>
                   </a:solidFill>
@@ -1835,7 +1840,7 @@
             </a:ln>
             <a:extLst>
               <a:ext uri="{91240B29-F687-4f45-9708-019B960494DF}">
-                <a14:hiddenLine xmlns:a14="http://schemas.microsoft.com/office/drawing/2010/main" xmlns="" w="9525">
+                <a14:hiddenLine xmlns="" xmlns:a14="http://schemas.microsoft.com/office/drawing/2010/main" w="9525">
                   <a:solidFill>
                     <a:srgbClr val="000000"/>
                   </a:solidFill>
@@ -1897,7 +1902,7 @@
             </a:ln>
             <a:extLst>
               <a:ext uri="{91240B29-F687-4f45-9708-019B960494DF}">
-                <a14:hiddenLine xmlns:a14="http://schemas.microsoft.com/office/drawing/2010/main" xmlns="" w="9525">
+                <a14:hiddenLine xmlns="" xmlns:a14="http://schemas.microsoft.com/office/drawing/2010/main" w="9525">
                   <a:solidFill>
                     <a:srgbClr val="000000"/>
                   </a:solidFill>
@@ -1987,7 +1992,7 @@
             </a:ln>
             <a:extLst>
               <a:ext uri="{91240B29-F687-4f45-9708-019B960494DF}">
-                <a14:hiddenLine xmlns:a14="http://schemas.microsoft.com/office/drawing/2010/main" xmlns="" w="9525">
+                <a14:hiddenLine xmlns="" xmlns:a14="http://schemas.microsoft.com/office/drawing/2010/main" w="9525">
                   <a:solidFill>
                     <a:srgbClr val="000000"/>
                   </a:solidFill>
@@ -2077,7 +2082,7 @@
             </a:ln>
             <a:extLst>
               <a:ext uri="{91240B29-F687-4f45-9708-019B960494DF}">
-                <a14:hiddenLine xmlns:a14="http://schemas.microsoft.com/office/drawing/2010/main" xmlns="" w="9525">
+                <a14:hiddenLine xmlns="" xmlns:a14="http://schemas.microsoft.com/office/drawing/2010/main" w="9525">
                   <a:solidFill>
                     <a:srgbClr val="000000"/>
                   </a:solidFill>
@@ -2133,7 +2138,7 @@
             </a:ln>
             <a:extLst>
               <a:ext uri="{91240B29-F687-4f45-9708-019B960494DF}">
-                <a14:hiddenLine xmlns:a14="http://schemas.microsoft.com/office/drawing/2010/main" xmlns="" w="9525">
+                <a14:hiddenLine xmlns="" xmlns:a14="http://schemas.microsoft.com/office/drawing/2010/main" w="9525">
                   <a:solidFill>
                     <a:srgbClr val="000000"/>
                   </a:solidFill>
@@ -2223,7 +2228,7 @@
             </a:ln>
             <a:extLst>
               <a:ext uri="{91240B29-F687-4f45-9708-019B960494DF}">
-                <a14:hiddenLine xmlns:a14="http://schemas.microsoft.com/office/drawing/2010/main" xmlns="" w="9525">
+                <a14:hiddenLine xmlns="" xmlns:a14="http://schemas.microsoft.com/office/drawing/2010/main" w="9525">
                   <a:solidFill>
                     <a:srgbClr val="000000"/>
                   </a:solidFill>
@@ -2279,7 +2284,7 @@
             </a:ln>
             <a:extLst>
               <a:ext uri="{91240B29-F687-4f45-9708-019B960494DF}">
-                <a14:hiddenLine xmlns:a14="http://schemas.microsoft.com/office/drawing/2010/main" xmlns="" w="9525">
+                <a14:hiddenLine xmlns="" xmlns:a14="http://schemas.microsoft.com/office/drawing/2010/main" w="9525">
                   <a:solidFill>
                     <a:srgbClr val="000000"/>
                   </a:solidFill>
@@ -2369,7 +2374,7 @@
             </a:ln>
             <a:extLst>
               <a:ext uri="{91240B29-F687-4f45-9708-019B960494DF}">
-                <a14:hiddenLine xmlns:a14="http://schemas.microsoft.com/office/drawing/2010/main" xmlns="" w="9525">
+                <a14:hiddenLine xmlns="" xmlns:a14="http://schemas.microsoft.com/office/drawing/2010/main" w="9525">
                   <a:solidFill>
                     <a:srgbClr val="000000"/>
                   </a:solidFill>
@@ -2437,7 +2442,7 @@
             </a:ln>
             <a:extLst>
               <a:ext uri="{91240B29-F687-4f45-9708-019B960494DF}">
-                <a14:hiddenLine xmlns:a14="http://schemas.microsoft.com/office/drawing/2010/main" xmlns="" w="9525">
+                <a14:hiddenLine xmlns="" xmlns:a14="http://schemas.microsoft.com/office/drawing/2010/main" w="9525">
                   <a:solidFill>
                     <a:srgbClr val="000000"/>
                   </a:solidFill>
@@ -2527,7 +2532,7 @@
             </a:ln>
             <a:extLst>
               <a:ext uri="{91240B29-F687-4f45-9708-019B960494DF}">
-                <a14:hiddenLine xmlns:a14="http://schemas.microsoft.com/office/drawing/2010/main" xmlns="" w="9525">
+                <a14:hiddenLine xmlns="" xmlns:a14="http://schemas.microsoft.com/office/drawing/2010/main" w="9525">
                   <a:solidFill>
                     <a:srgbClr val="000000"/>
                   </a:solidFill>
@@ -2595,7 +2600,7 @@
             </a:ln>
             <a:extLst>
               <a:ext uri="{91240B29-F687-4f45-9708-019B960494DF}">
-                <a14:hiddenLine xmlns:a14="http://schemas.microsoft.com/office/drawing/2010/main" xmlns="" w="9525">
+                <a14:hiddenLine xmlns="" xmlns:a14="http://schemas.microsoft.com/office/drawing/2010/main" w="9525">
                   <a:solidFill>
                     <a:srgbClr val="000000"/>
                   </a:solidFill>
@@ -2685,7 +2690,7 @@
             </a:ln>
             <a:extLst>
               <a:ext uri="{91240B29-F687-4f45-9708-019B960494DF}">
-                <a14:hiddenLine xmlns:a14="http://schemas.microsoft.com/office/drawing/2010/main" xmlns="" w="9525">
+                <a14:hiddenLine xmlns="" xmlns:a14="http://schemas.microsoft.com/office/drawing/2010/main" w="9525">
                   <a:solidFill>
                     <a:srgbClr val="000000"/>
                   </a:solidFill>
@@ -2719,7 +2724,7 @@
             </a:ln>
             <a:extLst>
               <a:ext uri="{91240B29-F687-4f45-9708-019B960494DF}">
-                <a14:hiddenLine xmlns:a14="http://schemas.microsoft.com/office/drawing/2010/main" xmlns="" w="9525">
+                <a14:hiddenLine xmlns="" xmlns:a14="http://schemas.microsoft.com/office/drawing/2010/main" w="9525">
                   <a:solidFill>
                     <a:srgbClr val="000000"/>
                   </a:solidFill>
@@ -2809,7 +2814,7 @@
             </a:ln>
             <a:extLst>
               <a:ext uri="{91240B29-F687-4f45-9708-019B960494DF}">
-                <a14:hiddenLine xmlns:a14="http://schemas.microsoft.com/office/drawing/2010/main" xmlns="" w="9525">
+                <a14:hiddenLine xmlns="" xmlns:a14="http://schemas.microsoft.com/office/drawing/2010/main" w="9525">
                   <a:solidFill>
                     <a:srgbClr val="000000"/>
                   </a:solidFill>
@@ -2871,7 +2876,7 @@
             </a:ln>
             <a:extLst>
               <a:ext uri="{91240B29-F687-4f45-9708-019B960494DF}">
-                <a14:hiddenLine xmlns:a14="http://schemas.microsoft.com/office/drawing/2010/main" xmlns="" w="9525">
+                <a14:hiddenLine xmlns="" xmlns:a14="http://schemas.microsoft.com/office/drawing/2010/main" w="9525">
                   <a:solidFill>
                     <a:srgbClr val="000000"/>
                   </a:solidFill>
@@ -2933,7 +2938,7 @@
             </a:ln>
             <a:extLst>
               <a:ext uri="{91240B29-F687-4f45-9708-019B960494DF}">
-                <a14:hiddenLine xmlns:a14="http://schemas.microsoft.com/office/drawing/2010/main" xmlns="" w="9525">
+                <a14:hiddenLine xmlns="" xmlns:a14="http://schemas.microsoft.com/office/drawing/2010/main" w="9525">
                   <a:solidFill>
                     <a:srgbClr val="000000"/>
                   </a:solidFill>
@@ -3023,7 +3028,7 @@
             </a:ln>
             <a:extLst>
               <a:ext uri="{91240B29-F687-4f45-9708-019B960494DF}">
-                <a14:hiddenLine xmlns:a14="http://schemas.microsoft.com/office/drawing/2010/main" xmlns="" w="9525">
+                <a14:hiddenLine xmlns="" xmlns:a14="http://schemas.microsoft.com/office/drawing/2010/main" w="9525">
                   <a:solidFill>
                     <a:srgbClr val="000000"/>
                   </a:solidFill>
@@ -3091,7 +3096,7 @@
             </a:ln>
             <a:extLst>
               <a:ext uri="{91240B29-F687-4f45-9708-019B960494DF}">
-                <a14:hiddenLine xmlns:a14="http://schemas.microsoft.com/office/drawing/2010/main" xmlns="" w="9525">
+                <a14:hiddenLine xmlns="" xmlns:a14="http://schemas.microsoft.com/office/drawing/2010/main" w="9525">
                   <a:solidFill>
                     <a:srgbClr val="000000"/>
                   </a:solidFill>
@@ -3153,7 +3158,7 @@
             </a:ln>
             <a:extLst>
               <a:ext uri="{91240B29-F687-4f45-9708-019B960494DF}">
-                <a14:hiddenLine xmlns:a14="http://schemas.microsoft.com/office/drawing/2010/main" xmlns="" w="9525">
+                <a14:hiddenLine xmlns="" xmlns:a14="http://schemas.microsoft.com/office/drawing/2010/main" w="9525">
                   <a:solidFill>
                     <a:srgbClr val="000000"/>
                   </a:solidFill>
@@ -3243,7 +3248,7 @@
             </a:ln>
             <a:extLst>
               <a:ext uri="{91240B29-F687-4f45-9708-019B960494DF}">
-                <a14:hiddenLine xmlns:a14="http://schemas.microsoft.com/office/drawing/2010/main" xmlns="" w="9525">
+                <a14:hiddenLine xmlns="" xmlns:a14="http://schemas.microsoft.com/office/drawing/2010/main" w="9525">
                   <a:solidFill>
                     <a:srgbClr val="000000"/>
                   </a:solidFill>
@@ -3305,7 +3310,7 @@
             </a:ln>
             <a:extLst>
               <a:ext uri="{91240B29-F687-4f45-9708-019B960494DF}">
-                <a14:hiddenLine xmlns:a14="http://schemas.microsoft.com/office/drawing/2010/main" xmlns="" w="9525">
+                <a14:hiddenLine xmlns="" xmlns:a14="http://schemas.microsoft.com/office/drawing/2010/main" w="9525">
                   <a:solidFill>
                     <a:srgbClr val="000000"/>
                   </a:solidFill>
@@ -3395,7 +3400,7 @@
             </a:ln>
             <a:extLst>
               <a:ext uri="{91240B29-F687-4f45-9708-019B960494DF}">
-                <a14:hiddenLine xmlns:a14="http://schemas.microsoft.com/office/drawing/2010/main" xmlns="" w="9525">
+                <a14:hiddenLine xmlns="" xmlns:a14="http://schemas.microsoft.com/office/drawing/2010/main" w="9525">
                   <a:solidFill>
                     <a:srgbClr val="000000"/>
                   </a:solidFill>
@@ -3457,7 +3462,7 @@
             </a:ln>
             <a:extLst>
               <a:ext uri="{91240B29-F687-4f45-9708-019B960494DF}">
-                <a14:hiddenLine xmlns:a14="http://schemas.microsoft.com/office/drawing/2010/main" xmlns="" w="9525">
+                <a14:hiddenLine xmlns="" xmlns:a14="http://schemas.microsoft.com/office/drawing/2010/main" w="9525">
                   <a:solidFill>
                     <a:srgbClr val="000000"/>
                   </a:solidFill>
@@ -3547,7 +3552,7 @@
             </a:ln>
             <a:extLst>
               <a:ext uri="{91240B29-F687-4f45-9708-019B960494DF}">
-                <a14:hiddenLine xmlns:a14="http://schemas.microsoft.com/office/drawing/2010/main" xmlns="" w="9525">
+                <a14:hiddenLine xmlns="" xmlns:a14="http://schemas.microsoft.com/office/drawing/2010/main" w="9525">
                   <a:solidFill>
                     <a:srgbClr val="000000"/>
                   </a:solidFill>
@@ -3581,7 +3586,7 @@
             </a:ln>
             <a:extLst>
               <a:ext uri="{91240B29-F687-4f45-9708-019B960494DF}">
-                <a14:hiddenLine xmlns:a14="http://schemas.microsoft.com/office/drawing/2010/main" xmlns="" w="9525">
+                <a14:hiddenLine xmlns="" xmlns:a14="http://schemas.microsoft.com/office/drawing/2010/main" w="9525">
                   <a:solidFill>
                     <a:srgbClr val="000000"/>
                   </a:solidFill>
@@ -3646,7 +3651,7 @@
             </a:ln>
             <a:extLst>
               <a:ext uri="{91240B29-F687-4f45-9708-019B960494DF}">
-                <a14:hiddenLine xmlns:a14="http://schemas.microsoft.com/office/drawing/2010/main" xmlns="" w="9525">
+                <a14:hiddenLine xmlns="" xmlns:a14="http://schemas.microsoft.com/office/drawing/2010/main" w="9525">
                   <a:solidFill>
                     <a:srgbClr val="000000"/>
                   </a:solidFill>
@@ -3736,7 +3741,7 @@
             </a:ln>
             <a:extLst>
               <a:ext uri="{91240B29-F687-4f45-9708-019B960494DF}">
-                <a14:hiddenLine xmlns:a14="http://schemas.microsoft.com/office/drawing/2010/main" xmlns="" w="9525">
+                <a14:hiddenLine xmlns="" xmlns:a14="http://schemas.microsoft.com/office/drawing/2010/main" w="9525">
                   <a:solidFill>
                     <a:srgbClr val="000000"/>
                   </a:solidFill>
@@ -3798,7 +3803,7 @@
             </a:ln>
             <a:extLst>
               <a:ext uri="{91240B29-F687-4f45-9708-019B960494DF}">
-                <a14:hiddenLine xmlns:a14="http://schemas.microsoft.com/office/drawing/2010/main" xmlns="" w="9525">
+                <a14:hiddenLine xmlns="" xmlns:a14="http://schemas.microsoft.com/office/drawing/2010/main" w="9525">
                   <a:solidFill>
                     <a:srgbClr val="000000"/>
                   </a:solidFill>
@@ -3888,7 +3893,7 @@
             </a:ln>
             <a:extLst>
               <a:ext uri="{91240B29-F687-4f45-9708-019B960494DF}">
-                <a14:hiddenLine xmlns:a14="http://schemas.microsoft.com/office/drawing/2010/main" xmlns="" w="9525">
+                <a14:hiddenLine xmlns="" xmlns:a14="http://schemas.microsoft.com/office/drawing/2010/main" w="9525">
                   <a:solidFill>
                     <a:srgbClr val="000000"/>
                   </a:solidFill>
@@ -3978,7 +3983,7 @@
             </a:ln>
             <a:extLst>
               <a:ext uri="{91240B29-F687-4f45-9708-019B960494DF}">
-                <a14:hiddenLine xmlns:a14="http://schemas.microsoft.com/office/drawing/2010/main" xmlns="" w="9525">
+                <a14:hiddenLine xmlns="" xmlns:a14="http://schemas.microsoft.com/office/drawing/2010/main" w="9525">
                   <a:solidFill>
                     <a:srgbClr val="000000"/>
                   </a:solidFill>
@@ -4043,7 +4048,7 @@
             </a:ln>
             <a:extLst>
               <a:ext uri="{91240B29-F687-4f45-9708-019B960494DF}">
-                <a14:hiddenLine xmlns:a14="http://schemas.microsoft.com/office/drawing/2010/main" xmlns="" w="9525">
+                <a14:hiddenLine xmlns="" xmlns:a14="http://schemas.microsoft.com/office/drawing/2010/main" w="9525">
                   <a:solidFill>
                     <a:srgbClr val="000000"/>
                   </a:solidFill>
@@ -4105,7 +4110,7 @@
             </a:ln>
             <a:extLst>
               <a:ext uri="{91240B29-F687-4f45-9708-019B960494DF}">
-                <a14:hiddenLine xmlns:a14="http://schemas.microsoft.com/office/drawing/2010/main" xmlns="" w="9525">
+                <a14:hiddenLine xmlns="" xmlns:a14="http://schemas.microsoft.com/office/drawing/2010/main" w="9525">
                   <a:solidFill>
                     <a:srgbClr val="000000"/>
                   </a:solidFill>
@@ -4195,7 +4200,7 @@
             </a:ln>
             <a:extLst>
               <a:ext uri="{91240B29-F687-4f45-9708-019B960494DF}">
-                <a14:hiddenLine xmlns:a14="http://schemas.microsoft.com/office/drawing/2010/main" xmlns="" w="9525">
+                <a14:hiddenLine xmlns="" xmlns:a14="http://schemas.microsoft.com/office/drawing/2010/main" w="9525">
                   <a:solidFill>
                     <a:srgbClr val="000000"/>
                   </a:solidFill>
@@ -4285,7 +4290,7 @@
             </a:ln>
             <a:extLst>
               <a:ext uri="{91240B29-F687-4f45-9708-019B960494DF}">
-                <a14:hiddenLine xmlns:a14="http://schemas.microsoft.com/office/drawing/2010/main" xmlns="" w="9525">
+                <a14:hiddenLine xmlns="" xmlns:a14="http://schemas.microsoft.com/office/drawing/2010/main" w="9525">
                   <a:solidFill>
                     <a:srgbClr val="000000"/>
                   </a:solidFill>
@@ -4347,7 +4352,7 @@
             </a:ln>
             <a:extLst>
               <a:ext uri="{91240B29-F687-4f45-9708-019B960494DF}">
-                <a14:hiddenLine xmlns:a14="http://schemas.microsoft.com/office/drawing/2010/main" xmlns="" w="9525">
+                <a14:hiddenLine xmlns="" xmlns:a14="http://schemas.microsoft.com/office/drawing/2010/main" w="9525">
                   <a:solidFill>
                     <a:srgbClr val="000000"/>
                   </a:solidFill>
@@ -4467,7 +4472,7 @@
             </a:ln>
             <a:extLst>
               <a:ext uri="{91240B29-F687-4f45-9708-019B960494DF}">
-                <a14:hiddenLine xmlns:a14="http://schemas.microsoft.com/office/drawing/2010/main" xmlns="" w="9525">
+                <a14:hiddenLine xmlns="" xmlns:a14="http://schemas.microsoft.com/office/drawing/2010/main" w="9525">
                   <a:solidFill>
                     <a:srgbClr val="000000"/>
                   </a:solidFill>
@@ -4535,7 +4540,7 @@
             </a:ln>
             <a:extLst>
               <a:ext uri="{91240B29-F687-4f45-9708-019B960494DF}">
-                <a14:hiddenLine xmlns:a14="http://schemas.microsoft.com/office/drawing/2010/main" xmlns="" w="9525">
+                <a14:hiddenLine xmlns="" xmlns:a14="http://schemas.microsoft.com/office/drawing/2010/main" w="9525">
                   <a:solidFill>
                     <a:srgbClr val="000000"/>
                   </a:solidFill>
@@ -4625,7 +4630,7 @@
             </a:ln>
             <a:extLst>
               <a:ext uri="{91240B29-F687-4f45-9708-019B960494DF}">
-                <a14:hiddenLine xmlns:a14="http://schemas.microsoft.com/office/drawing/2010/main" xmlns="" w="9525">
+                <a14:hiddenLine xmlns="" xmlns:a14="http://schemas.microsoft.com/office/drawing/2010/main" w="9525">
                   <a:solidFill>
                     <a:srgbClr val="000000"/>
                   </a:solidFill>
@@ -4765,7 +4770,7 @@
           <a:p>
             <a:fld id="{638F2E41-ECF6-4387-8556-B791CECB3325}" type="datetimeFigureOut">
               <a:rPr lang="en-IN" smtClean="0"/>
-              <a:t>10-04-2020</a:t>
+              <a:t>11-04-2020</a:t>
             </a:fld>
             <a:endParaRPr lang="en-IN"/>
           </a:p>
@@ -5032,7 +5037,7 @@
           <a:p>
             <a:fld id="{638F2E41-ECF6-4387-8556-B791CECB3325}" type="datetimeFigureOut">
               <a:rPr lang="en-IN" smtClean="0"/>
-              <a:t>10-04-2020</a:t>
+              <a:t>11-04-2020</a:t>
             </a:fld>
             <a:endParaRPr lang="en-IN"/>
           </a:p>
@@ -5228,7 +5233,7 @@
           <a:p>
             <a:fld id="{638F2E41-ECF6-4387-8556-B791CECB3325}" type="datetimeFigureOut">
               <a:rPr lang="en-IN" smtClean="0"/>
-              <a:t>10-04-2020</a:t>
+              <a:t>11-04-2020</a:t>
             </a:fld>
             <a:endParaRPr lang="en-IN"/>
           </a:p>
@@ -5491,7 +5496,7 @@
           <a:p>
             <a:fld id="{638F2E41-ECF6-4387-8556-B791CECB3325}" type="datetimeFigureOut">
               <a:rPr lang="en-IN" smtClean="0"/>
-              <a:t>10-04-2020</a:t>
+              <a:t>11-04-2020</a:t>
             </a:fld>
             <a:endParaRPr lang="en-IN"/>
           </a:p>
@@ -5925,7 +5930,7 @@
           <a:p>
             <a:fld id="{638F2E41-ECF6-4387-8556-B791CECB3325}" type="datetimeFigureOut">
               <a:rPr lang="en-IN" smtClean="0"/>
-              <a:t>10-04-2020</a:t>
+              <a:t>11-04-2020</a:t>
             </a:fld>
             <a:endParaRPr lang="en-IN"/>
           </a:p>
@@ -6471,7 +6476,7 @@
           <a:p>
             <a:fld id="{638F2E41-ECF6-4387-8556-B791CECB3325}" type="datetimeFigureOut">
               <a:rPr lang="en-IN" smtClean="0"/>
-              <a:t>10-04-2020</a:t>
+              <a:t>11-04-2020</a:t>
             </a:fld>
             <a:endParaRPr lang="en-IN"/>
           </a:p>
@@ -7191,7 +7196,7 @@
           <a:p>
             <a:fld id="{638F2E41-ECF6-4387-8556-B791CECB3325}" type="datetimeFigureOut">
               <a:rPr lang="en-IN" smtClean="0"/>
-              <a:t>10-04-2020</a:t>
+              <a:t>11-04-2020</a:t>
             </a:fld>
             <a:endParaRPr lang="en-IN"/>
           </a:p>
@@ -7361,7 +7366,7 @@
           <a:p>
             <a:fld id="{638F2E41-ECF6-4387-8556-B791CECB3325}" type="datetimeFigureOut">
               <a:rPr lang="en-IN" smtClean="0"/>
-              <a:t>10-04-2020</a:t>
+              <a:t>11-04-2020</a:t>
             </a:fld>
             <a:endParaRPr lang="en-IN"/>
           </a:p>
@@ -7541,7 +7546,7 @@
           <a:p>
             <a:fld id="{638F2E41-ECF6-4387-8556-B791CECB3325}" type="datetimeFigureOut">
               <a:rPr lang="en-IN" smtClean="0"/>
-              <a:t>10-04-2020</a:t>
+              <a:t>11-04-2020</a:t>
             </a:fld>
             <a:endParaRPr lang="en-IN"/>
           </a:p>
@@ -7711,7 +7716,7 @@
           <a:p>
             <a:fld id="{638F2E41-ECF6-4387-8556-B791CECB3325}" type="datetimeFigureOut">
               <a:rPr lang="en-IN" smtClean="0"/>
-              <a:t>10-04-2020</a:t>
+              <a:t>11-04-2020</a:t>
             </a:fld>
             <a:endParaRPr lang="en-IN"/>
           </a:p>
@@ -7961,7 +7966,7 @@
           <a:p>
             <a:fld id="{638F2E41-ECF6-4387-8556-B791CECB3325}" type="datetimeFigureOut">
               <a:rPr lang="en-IN" smtClean="0"/>
-              <a:t>10-04-2020</a:t>
+              <a:t>11-04-2020</a:t>
             </a:fld>
             <a:endParaRPr lang="en-IN"/>
           </a:p>
@@ -8193,7 +8198,7 @@
           <a:p>
             <a:fld id="{638F2E41-ECF6-4387-8556-B791CECB3325}" type="datetimeFigureOut">
               <a:rPr lang="en-IN" smtClean="0"/>
-              <a:t>10-04-2020</a:t>
+              <a:t>11-04-2020</a:t>
             </a:fld>
             <a:endParaRPr lang="en-IN"/>
           </a:p>
@@ -8574,7 +8579,7 @@
           <a:p>
             <a:fld id="{638F2E41-ECF6-4387-8556-B791CECB3325}" type="datetimeFigureOut">
               <a:rPr lang="en-IN" smtClean="0"/>
-              <a:t>10-04-2020</a:t>
+              <a:t>11-04-2020</a:t>
             </a:fld>
             <a:endParaRPr lang="en-IN"/>
           </a:p>
@@ -8692,7 +8697,7 @@
           <a:p>
             <a:fld id="{638F2E41-ECF6-4387-8556-B791CECB3325}" type="datetimeFigureOut">
               <a:rPr lang="en-IN" smtClean="0"/>
-              <a:t>10-04-2020</a:t>
+              <a:t>11-04-2020</a:t>
             </a:fld>
             <a:endParaRPr lang="en-IN"/>
           </a:p>
@@ -8787,7 +8792,7 @@
           <a:p>
             <a:fld id="{638F2E41-ECF6-4387-8556-B791CECB3325}" type="datetimeFigureOut">
               <a:rPr lang="en-IN" smtClean="0"/>
-              <a:t>10-04-2020</a:t>
+              <a:t>11-04-2020</a:t>
             </a:fld>
             <a:endParaRPr lang="en-IN"/>
           </a:p>
@@ -9036,7 +9041,7 @@
           <a:p>
             <a:fld id="{638F2E41-ECF6-4387-8556-B791CECB3325}" type="datetimeFigureOut">
               <a:rPr lang="en-IN" smtClean="0"/>
-              <a:t>10-04-2020</a:t>
+              <a:t>11-04-2020</a:t>
             </a:fld>
             <a:endParaRPr lang="en-IN"/>
           </a:p>
@@ -9316,7 +9321,7 @@
           <a:p>
             <a:fld id="{638F2E41-ECF6-4387-8556-B791CECB3325}" type="datetimeFigureOut">
               <a:rPr lang="en-IN" smtClean="0"/>
-              <a:t>10-04-2020</a:t>
+              <a:t>11-04-2020</a:t>
             </a:fld>
             <a:endParaRPr lang="en-IN"/>
           </a:p>
@@ -9439,7 +9444,7 @@
           <a:noFill/>
           <a:extLst>
             <a:ext uri="{909E8E84-426E-40dd-AFC4-6F175D3DCCD1}">
-              <a14:hiddenFill xmlns:a14="http://schemas.microsoft.com/office/drawing/2010/main" xmlns="">
+              <a14:hiddenFill xmlns="" xmlns:a14="http://schemas.microsoft.com/office/drawing/2010/main">
                 <a:solidFill>
                   <a:srgbClr val="FFFFFF"/>
                 </a:solidFill>
@@ -9513,7 +9518,7 @@
               </a:ln>
               <a:extLst>
                 <a:ext uri="{91240B29-F687-4f45-9708-019B960494DF}">
-                  <a14:hiddenLine xmlns:a14="http://schemas.microsoft.com/office/drawing/2010/main" xmlns="" w="9525">
+                  <a14:hiddenLine xmlns="" xmlns:a14="http://schemas.microsoft.com/office/drawing/2010/main" w="9525">
                     <a:solidFill>
                       <a:srgbClr val="000000"/>
                     </a:solidFill>
@@ -9603,7 +9608,7 @@
               </a:ln>
               <a:extLst>
                 <a:ext uri="{91240B29-F687-4f45-9708-019B960494DF}">
-                  <a14:hiddenLine xmlns:a14="http://schemas.microsoft.com/office/drawing/2010/main" xmlns="" w="9525">
+                  <a14:hiddenLine xmlns="" xmlns:a14="http://schemas.microsoft.com/office/drawing/2010/main" w="9525">
                     <a:solidFill>
                       <a:srgbClr val="000000"/>
                     </a:solidFill>
@@ -9693,7 +9698,7 @@
               </a:ln>
               <a:extLst>
                 <a:ext uri="{91240B29-F687-4f45-9708-019B960494DF}">
-                  <a14:hiddenLine xmlns:a14="http://schemas.microsoft.com/office/drawing/2010/main" xmlns="" w="9525">
+                  <a14:hiddenLine xmlns="" xmlns:a14="http://schemas.microsoft.com/office/drawing/2010/main" w="9525">
                     <a:solidFill>
                       <a:srgbClr val="000000"/>
                     </a:solidFill>
@@ -9755,7 +9760,7 @@
               </a:ln>
               <a:extLst>
                 <a:ext uri="{91240B29-F687-4f45-9708-019B960494DF}">
-                  <a14:hiddenLine xmlns:a14="http://schemas.microsoft.com/office/drawing/2010/main" xmlns="" w="9525">
+                  <a14:hiddenLine xmlns="" xmlns:a14="http://schemas.microsoft.com/office/drawing/2010/main" w="9525">
                     <a:solidFill>
                       <a:srgbClr val="000000"/>
                     </a:solidFill>
@@ -9845,7 +9850,7 @@
               </a:ln>
               <a:extLst>
                 <a:ext uri="{91240B29-F687-4f45-9708-019B960494DF}">
-                  <a14:hiddenLine xmlns:a14="http://schemas.microsoft.com/office/drawing/2010/main" xmlns="" w="9525">
+                  <a14:hiddenLine xmlns="" xmlns:a14="http://schemas.microsoft.com/office/drawing/2010/main" w="9525">
                     <a:solidFill>
                       <a:srgbClr val="000000"/>
                     </a:solidFill>
@@ -9907,7 +9912,7 @@
               </a:ln>
               <a:extLst>
                 <a:ext uri="{91240B29-F687-4f45-9708-019B960494DF}">
-                  <a14:hiddenLine xmlns:a14="http://schemas.microsoft.com/office/drawing/2010/main" xmlns="" w="9525">
+                  <a14:hiddenLine xmlns="" xmlns:a14="http://schemas.microsoft.com/office/drawing/2010/main" w="9525">
                     <a:solidFill>
                       <a:srgbClr val="000000"/>
                     </a:solidFill>
@@ -9969,7 +9974,7 @@
               </a:ln>
               <a:extLst>
                 <a:ext uri="{91240B29-F687-4f45-9708-019B960494DF}">
-                  <a14:hiddenLine xmlns:a14="http://schemas.microsoft.com/office/drawing/2010/main" xmlns="" w="9525">
+                  <a14:hiddenLine xmlns="" xmlns:a14="http://schemas.microsoft.com/office/drawing/2010/main" w="9525">
                     <a:solidFill>
                       <a:srgbClr val="000000"/>
                     </a:solidFill>
@@ -10059,7 +10064,7 @@
               </a:ln>
               <a:extLst>
                 <a:ext uri="{91240B29-F687-4f45-9708-019B960494DF}">
-                  <a14:hiddenLine xmlns:a14="http://schemas.microsoft.com/office/drawing/2010/main" xmlns="" w="9525">
+                  <a14:hiddenLine xmlns="" xmlns:a14="http://schemas.microsoft.com/office/drawing/2010/main" w="9525">
                     <a:solidFill>
                       <a:srgbClr val="000000"/>
                     </a:solidFill>
@@ -10149,7 +10154,7 @@
               </a:ln>
               <a:extLst>
                 <a:ext uri="{91240B29-F687-4f45-9708-019B960494DF}">
-                  <a14:hiddenLine xmlns:a14="http://schemas.microsoft.com/office/drawing/2010/main" xmlns="" w="9525">
+                  <a14:hiddenLine xmlns="" xmlns:a14="http://schemas.microsoft.com/office/drawing/2010/main" w="9525">
                     <a:solidFill>
                       <a:srgbClr val="000000"/>
                     </a:solidFill>
@@ -10211,7 +10216,7 @@
               </a:ln>
               <a:extLst>
                 <a:ext uri="{91240B29-F687-4f45-9708-019B960494DF}">
-                  <a14:hiddenLine xmlns:a14="http://schemas.microsoft.com/office/drawing/2010/main" xmlns="" w="9525">
+                  <a14:hiddenLine xmlns="" xmlns:a14="http://schemas.microsoft.com/office/drawing/2010/main" w="9525">
                     <a:solidFill>
                       <a:srgbClr val="000000"/>
                     </a:solidFill>
@@ -10321,7 +10326,7 @@
               </a:ln>
               <a:extLst>
                 <a:ext uri="{91240B29-F687-4f45-9708-019B960494DF}">
-                  <a14:hiddenLine xmlns:a14="http://schemas.microsoft.com/office/drawing/2010/main" xmlns="" w="9525">
+                  <a14:hiddenLine xmlns="" xmlns:a14="http://schemas.microsoft.com/office/drawing/2010/main" w="9525">
                     <a:solidFill>
                       <a:srgbClr val="000000"/>
                     </a:solidFill>
@@ -10405,7 +10410,7 @@
               </a:ln>
               <a:extLst>
                 <a:ext uri="{91240B29-F687-4f45-9708-019B960494DF}">
-                  <a14:hiddenLine xmlns:a14="http://schemas.microsoft.com/office/drawing/2010/main" xmlns="" w="9525">
+                  <a14:hiddenLine xmlns="" xmlns:a14="http://schemas.microsoft.com/office/drawing/2010/main" w="9525">
                     <a:solidFill>
                       <a:srgbClr val="000000"/>
                     </a:solidFill>
@@ -10467,7 +10472,7 @@
               </a:ln>
               <a:extLst>
                 <a:ext uri="{91240B29-F687-4f45-9708-019B960494DF}">
-                  <a14:hiddenLine xmlns:a14="http://schemas.microsoft.com/office/drawing/2010/main" xmlns="" w="9525">
+                  <a14:hiddenLine xmlns="" xmlns:a14="http://schemas.microsoft.com/office/drawing/2010/main" w="9525">
                     <a:solidFill>
                       <a:srgbClr val="000000"/>
                     </a:solidFill>
@@ -10529,7 +10534,7 @@
               </a:ln>
               <a:extLst>
                 <a:ext uri="{91240B29-F687-4f45-9708-019B960494DF}">
-                  <a14:hiddenLine xmlns:a14="http://schemas.microsoft.com/office/drawing/2010/main" xmlns="" w="9525">
+                  <a14:hiddenLine xmlns="" xmlns:a14="http://schemas.microsoft.com/office/drawing/2010/main" w="9525">
                     <a:solidFill>
                       <a:srgbClr val="000000"/>
                     </a:solidFill>
@@ -10619,7 +10624,7 @@
               </a:ln>
               <a:extLst>
                 <a:ext uri="{91240B29-F687-4f45-9708-019B960494DF}">
-                  <a14:hiddenLine xmlns:a14="http://schemas.microsoft.com/office/drawing/2010/main" xmlns="" w="9525">
+                  <a14:hiddenLine xmlns="" xmlns:a14="http://schemas.microsoft.com/office/drawing/2010/main" w="9525">
                     <a:solidFill>
                       <a:srgbClr val="000000"/>
                     </a:solidFill>
@@ -10653,7 +10658,7 @@
               </a:ln>
               <a:extLst>
                 <a:ext uri="{91240B29-F687-4f45-9708-019B960494DF}">
-                  <a14:hiddenLine xmlns:a14="http://schemas.microsoft.com/office/drawing/2010/main" xmlns="" w="9525">
+                  <a14:hiddenLine xmlns="" xmlns:a14="http://schemas.microsoft.com/office/drawing/2010/main" w="9525">
                     <a:solidFill>
                       <a:srgbClr val="000000"/>
                     </a:solidFill>
@@ -10718,7 +10723,7 @@
               </a:ln>
               <a:extLst>
                 <a:ext uri="{91240B29-F687-4f45-9708-019B960494DF}">
-                  <a14:hiddenLine xmlns:a14="http://schemas.microsoft.com/office/drawing/2010/main" xmlns="" w="9525">
+                  <a14:hiddenLine xmlns="" xmlns:a14="http://schemas.microsoft.com/office/drawing/2010/main" w="9525">
                     <a:solidFill>
                       <a:srgbClr val="000000"/>
                     </a:solidFill>
@@ -10808,7 +10813,7 @@
               </a:ln>
               <a:extLst>
                 <a:ext uri="{91240B29-F687-4f45-9708-019B960494DF}">
-                  <a14:hiddenLine xmlns:a14="http://schemas.microsoft.com/office/drawing/2010/main" xmlns="" w="9525">
+                  <a14:hiddenLine xmlns="" xmlns:a14="http://schemas.microsoft.com/office/drawing/2010/main" w="9525">
                     <a:solidFill>
                       <a:srgbClr val="000000"/>
                     </a:solidFill>
@@ -10870,7 +10875,7 @@
               </a:ln>
               <a:extLst>
                 <a:ext uri="{91240B29-F687-4f45-9708-019B960494DF}">
-                  <a14:hiddenLine xmlns:a14="http://schemas.microsoft.com/office/drawing/2010/main" xmlns="" w="9525">
+                  <a14:hiddenLine xmlns="" xmlns:a14="http://schemas.microsoft.com/office/drawing/2010/main" w="9525">
                     <a:solidFill>
                       <a:srgbClr val="000000"/>
                     </a:solidFill>
@@ -10960,7 +10965,7 @@
               </a:ln>
               <a:extLst>
                 <a:ext uri="{91240B29-F687-4f45-9708-019B960494DF}">
-                  <a14:hiddenLine xmlns:a14="http://schemas.microsoft.com/office/drawing/2010/main" xmlns="" w="9525">
+                  <a14:hiddenLine xmlns="" xmlns:a14="http://schemas.microsoft.com/office/drawing/2010/main" w="9525">
                     <a:solidFill>
                       <a:srgbClr val="000000"/>
                     </a:solidFill>
@@ -11025,7 +11030,7 @@
               </a:ln>
               <a:extLst>
                 <a:ext uri="{91240B29-F687-4f45-9708-019B960494DF}">
-                  <a14:hiddenLine xmlns:a14="http://schemas.microsoft.com/office/drawing/2010/main" xmlns="" w="9525">
+                  <a14:hiddenLine xmlns="" xmlns:a14="http://schemas.microsoft.com/office/drawing/2010/main" w="9525">
                     <a:solidFill>
                       <a:srgbClr val="000000"/>
                     </a:solidFill>
@@ -11087,7 +11092,7 @@
               </a:ln>
               <a:extLst>
                 <a:ext uri="{91240B29-F687-4f45-9708-019B960494DF}">
-                  <a14:hiddenLine xmlns:a14="http://schemas.microsoft.com/office/drawing/2010/main" xmlns="" w="9525">
+                  <a14:hiddenLine xmlns="" xmlns:a14="http://schemas.microsoft.com/office/drawing/2010/main" w="9525">
                     <a:solidFill>
                       <a:srgbClr val="000000"/>
                     </a:solidFill>
@@ -11177,7 +11182,7 @@
               </a:ln>
               <a:extLst>
                 <a:ext uri="{91240B29-F687-4f45-9708-019B960494DF}">
-                  <a14:hiddenLine xmlns:a14="http://schemas.microsoft.com/office/drawing/2010/main" xmlns="" w="9525">
+                  <a14:hiddenLine xmlns="" xmlns:a14="http://schemas.microsoft.com/office/drawing/2010/main" w="9525">
                     <a:solidFill>
                       <a:srgbClr val="000000"/>
                     </a:solidFill>
@@ -11267,7 +11272,7 @@
               </a:ln>
               <a:extLst>
                 <a:ext uri="{91240B29-F687-4f45-9708-019B960494DF}">
-                  <a14:hiddenLine xmlns:a14="http://schemas.microsoft.com/office/drawing/2010/main" xmlns="" w="9525">
+                  <a14:hiddenLine xmlns="" xmlns:a14="http://schemas.microsoft.com/office/drawing/2010/main" w="9525">
                     <a:solidFill>
                       <a:srgbClr val="000000"/>
                     </a:solidFill>
@@ -11332,7 +11337,7 @@
               </a:ln>
               <a:extLst>
                 <a:ext uri="{91240B29-F687-4f45-9708-019B960494DF}">
-                  <a14:hiddenLine xmlns:a14="http://schemas.microsoft.com/office/drawing/2010/main" xmlns="" w="9525">
+                  <a14:hiddenLine xmlns="" xmlns:a14="http://schemas.microsoft.com/office/drawing/2010/main" w="9525">
                     <a:solidFill>
                       <a:srgbClr val="000000"/>
                     </a:solidFill>
@@ -11452,7 +11457,7 @@
               </a:ln>
               <a:extLst>
                 <a:ext uri="{91240B29-F687-4f45-9708-019B960494DF}">
-                  <a14:hiddenLine xmlns:a14="http://schemas.microsoft.com/office/drawing/2010/main" xmlns="" w="9525">
+                  <a14:hiddenLine xmlns="" xmlns:a14="http://schemas.microsoft.com/office/drawing/2010/main" w="9525">
                     <a:solidFill>
                       <a:srgbClr val="000000"/>
                     </a:solidFill>
@@ -11533,7 +11538,7 @@
               </a:ln>
               <a:extLst>
                 <a:ext uri="{91240B29-F687-4f45-9708-019B960494DF}">
-                  <a14:hiddenLine xmlns:a14="http://schemas.microsoft.com/office/drawing/2010/main" xmlns="" w="9525">
+                  <a14:hiddenLine xmlns="" xmlns:a14="http://schemas.microsoft.com/office/drawing/2010/main" w="9525">
                     <a:solidFill>
                       <a:srgbClr val="000000"/>
                     </a:solidFill>
@@ -11648,7 +11653,7 @@
               </a:ln>
               <a:extLst>
                 <a:ext uri="{91240B29-F687-4f45-9708-019B960494DF}">
-                  <a14:hiddenLine xmlns:a14="http://schemas.microsoft.com/office/drawing/2010/main" xmlns="" w="9525">
+                  <a14:hiddenLine xmlns="" xmlns:a14="http://schemas.microsoft.com/office/drawing/2010/main" w="9525">
                     <a:solidFill>
                       <a:srgbClr val="000000"/>
                     </a:solidFill>
@@ -11738,7 +11743,7 @@
               </a:ln>
               <a:extLst>
                 <a:ext uri="{91240B29-F687-4f45-9708-019B960494DF}">
-                  <a14:hiddenLine xmlns:a14="http://schemas.microsoft.com/office/drawing/2010/main" xmlns="" w="9525">
+                  <a14:hiddenLine xmlns="" xmlns:a14="http://schemas.microsoft.com/office/drawing/2010/main" w="9525">
                     <a:solidFill>
                       <a:srgbClr val="000000"/>
                     </a:solidFill>
@@ -11803,7 +11808,7 @@
               </a:ln>
               <a:extLst>
                 <a:ext uri="{91240B29-F687-4f45-9708-019B960494DF}">
-                  <a14:hiddenLine xmlns:a14="http://schemas.microsoft.com/office/drawing/2010/main" xmlns="" w="9525">
+                  <a14:hiddenLine xmlns="" xmlns:a14="http://schemas.microsoft.com/office/drawing/2010/main" w="9525">
                     <a:solidFill>
                       <a:srgbClr val="000000"/>
                     </a:solidFill>
@@ -11893,7 +11898,7 @@
               </a:ln>
               <a:extLst>
                 <a:ext uri="{91240B29-F687-4f45-9708-019B960494DF}">
-                  <a14:hiddenLine xmlns:a14="http://schemas.microsoft.com/office/drawing/2010/main" xmlns="" w="9525">
+                  <a14:hiddenLine xmlns="" xmlns:a14="http://schemas.microsoft.com/office/drawing/2010/main" w="9525">
                     <a:solidFill>
                       <a:srgbClr val="000000"/>
                     </a:solidFill>
@@ -11961,7 +11966,7 @@
               </a:ln>
               <a:extLst>
                 <a:ext uri="{91240B29-F687-4f45-9708-019B960494DF}">
-                  <a14:hiddenLine xmlns:a14="http://schemas.microsoft.com/office/drawing/2010/main" xmlns="" w="9525">
+                  <a14:hiddenLine xmlns="" xmlns:a14="http://schemas.microsoft.com/office/drawing/2010/main" w="9525">
                     <a:solidFill>
                       <a:srgbClr val="000000"/>
                     </a:solidFill>
@@ -12051,7 +12056,7 @@
               </a:ln>
               <a:extLst>
                 <a:ext uri="{91240B29-F687-4f45-9708-019B960494DF}">
-                  <a14:hiddenLine xmlns:a14="http://schemas.microsoft.com/office/drawing/2010/main" xmlns="" w="9525">
+                  <a14:hiddenLine xmlns="" xmlns:a14="http://schemas.microsoft.com/office/drawing/2010/main" w="9525">
                     <a:solidFill>
                       <a:srgbClr val="000000"/>
                     </a:solidFill>
@@ -12119,7 +12124,7 @@
               </a:ln>
               <a:extLst>
                 <a:ext uri="{91240B29-F687-4f45-9708-019B960494DF}">
-                  <a14:hiddenLine xmlns:a14="http://schemas.microsoft.com/office/drawing/2010/main" xmlns="" w="9525">
+                  <a14:hiddenLine xmlns="" xmlns:a14="http://schemas.microsoft.com/office/drawing/2010/main" w="9525">
                     <a:solidFill>
                       <a:srgbClr val="000000"/>
                     </a:solidFill>
@@ -12209,7 +12214,7 @@
               </a:ln>
               <a:extLst>
                 <a:ext uri="{91240B29-F687-4f45-9708-019B960494DF}">
-                  <a14:hiddenLine xmlns:a14="http://schemas.microsoft.com/office/drawing/2010/main" xmlns="" w="9525">
+                  <a14:hiddenLine xmlns="" xmlns:a14="http://schemas.microsoft.com/office/drawing/2010/main" w="9525">
                     <a:solidFill>
                       <a:srgbClr val="000000"/>
                     </a:solidFill>
@@ -12243,7 +12248,7 @@
               </a:ln>
               <a:extLst>
                 <a:ext uri="{91240B29-F687-4f45-9708-019B960494DF}">
-                  <a14:hiddenLine xmlns:a14="http://schemas.microsoft.com/office/drawing/2010/main" xmlns="" w="9525">
+                  <a14:hiddenLine xmlns="" xmlns:a14="http://schemas.microsoft.com/office/drawing/2010/main" w="9525">
                     <a:solidFill>
                       <a:srgbClr val="000000"/>
                     </a:solidFill>
@@ -12383,7 +12388,7 @@
           <a:p>
             <a:fld id="{638F2E41-ECF6-4387-8556-B791CECB3325}" type="datetimeFigureOut">
               <a:rPr lang="en-IN" smtClean="0"/>
-              <a:t>10-04-2020</a:t>
+              <a:t>11-04-2020</a:t>
             </a:fld>
             <a:endParaRPr lang="en-IN"/>
           </a:p>
@@ -13678,6 +13683,45 @@
             <a:r>
               <a:rPr lang="en-IN" sz="1100" b="1" dirty="0"/>
               <a:t>}</a:t>
+            </a:r>
+          </a:p>
+        </p:txBody>
+      </p:sp>
+      <p:sp>
+        <p:nvSpPr>
+          <p:cNvPr id="2" name="TextBox 1">
+            <a:extLst>
+              <a:ext uri="{FF2B5EF4-FFF2-40B4-BE49-F238E27FC236}">
+                <a16:creationId xmlns:a16="http://schemas.microsoft.com/office/drawing/2014/main" id="{510222EE-43CE-4F75-9070-4DCDEE1609F8}"/>
+              </a:ext>
+            </a:extLst>
+          </p:cNvPr>
+          <p:cNvSpPr txBox="1"/>
+          <p:nvPr/>
+        </p:nvSpPr>
+        <p:spPr>
+          <a:xfrm>
+            <a:off x="1878392" y="89624"/>
+            <a:ext cx="5472717" cy="461665"/>
+          </a:xfrm>
+          <a:prstGeom prst="rect">
+            <a:avLst/>
+          </a:prstGeom>
+          <a:noFill/>
+        </p:spPr>
+        <p:txBody>
+          <a:bodyPr wrap="none" rtlCol="0">
+            <a:spAutoFit/>
+          </a:bodyPr>
+          <a:lstStyle/>
+          <a:p>
+            <a:r>
+              <a:rPr lang="en-IN" sz="2400" b="1" dirty="0">
+                <a:solidFill>
+                  <a:schemeClr val="bg1"/>
+                </a:solidFill>
+              </a:rPr>
+              <a:t>BFS Implementation Using Adjacency List</a:t>
             </a:r>
           </a:p>
         </p:txBody>
